--- a/Uvod u git.pptx
+++ b/Uvod u git.pptx
@@ -6197,10 +6197,6 @@
           <a:bodyPr/>
           <a:lstStyle/>
           <a:p>
-            <a:r>
-              <a:rPr lang="sr-Latn-RS"/>
-              <a:t>Miloš</a:t>
-            </a:r>
             <a:endParaRPr lang="sr-Latn-RS" dirty="0"/>
           </a:p>
         </p:txBody>
@@ -6450,7 +6446,7 @@
         </p:spPr>
         <p:txBody>
           <a:bodyPr>
-            <a:normAutofit lnSpcReduction="10000"/>
+            <a:normAutofit/>
           </a:bodyPr>
           <a:lstStyle/>
           <a:p>
@@ -6526,7 +6522,7 @@
             </a:r>
             <a:r>
               <a:rPr lang="sr-Latn-RS" dirty="0"/>
-              <a:t>služi za proveru stanja datoteka u radnom direktorijumu</a:t>
+              <a:t>služi za proveru stanja fajla u radnom direktorijumu</a:t>
             </a:r>
             <a:endParaRPr lang="en-US" dirty="0"/>
           </a:p>
@@ -6541,23 +6537,7 @@
             </a:r>
             <a:r>
               <a:rPr lang="sr-Latn-RS" dirty="0"/>
-              <a:t>označava izmenjene datoteke za postavljanje, čime ih prebacuje u pripremnu zonu</a:t>
-            </a:r>
-            <a:r>
-              <a:rPr lang="en-US" dirty="0"/>
-              <a:t>.</a:t>
-            </a:r>
-            <a:r>
-              <a:rPr lang="sr-Latn-RS" dirty="0"/>
-              <a:t> Sve promene koje su prebačene u pripremnu zonu će</a:t>
-            </a:r>
-            <a:r>
-              <a:rPr lang="en-US" dirty="0"/>
-              <a:t> </a:t>
-            </a:r>
-            <a:r>
-              <a:rPr lang="sr-Latn-RS" dirty="0"/>
-              <a:t>prilikom postavljanja postati integralni deo sledeće verzije, a samim tim i projektne istorije</a:t>
+              <a:t>označava izmenjene fajlove za postavljanje, čime ih prebacuje u pripremnu zonu</a:t>
             </a:r>
             <a:endParaRPr lang="en-US" dirty="0"/>
           </a:p>
@@ -7160,7 +7140,15 @@
           <a:p>
             <a:r>
               <a:rPr lang="en-US" dirty="0"/>
-              <a:t>SSH (Secure Shell) se </a:t>
+              <a:t>SSH (Secure Shell)</a:t>
+            </a:r>
+            <a:r>
+              <a:rPr lang="sr-Latn-RS" dirty="0"/>
+              <a:t> je protokol koji</a:t>
+            </a:r>
+            <a:r>
+              <a:rPr lang="en-US" dirty="0"/>
+              <a:t> se </a:t>
             </a:r>
             <a:r>
               <a:rPr lang="en-US" dirty="0" err="1"/>
@@ -7271,39 +7259,7 @@
               <a:t>datoteka</a:t>
             </a:r>
             <a:r>
-              <a:rPr lang="en-US" dirty="0"/>
-              <a:t> </a:t>
-            </a:r>
-            <a:r>
-              <a:rPr lang="en-US" dirty="0" err="1"/>
-              <a:t>i</a:t>
-            </a:r>
-            <a:r>
-              <a:rPr lang="en-US" dirty="0"/>
-              <a:t> </a:t>
-            </a:r>
-            <a:r>
-              <a:rPr lang="en-US" dirty="0" err="1"/>
-              <a:t>alata</a:t>
-            </a:r>
-            <a:r>
-              <a:rPr lang="en-US" dirty="0"/>
-              <a:t> za </a:t>
-            </a:r>
-            <a:r>
-              <a:rPr lang="en-US" dirty="0" err="1"/>
-              <a:t>upravljanje</a:t>
-            </a:r>
-            <a:r>
-              <a:rPr lang="en-US" dirty="0"/>
-              <a:t> </a:t>
-            </a:r>
-            <a:r>
-              <a:rPr lang="en-US" dirty="0" err="1"/>
-              <a:t>konfiguracijom</a:t>
-            </a:r>
-            <a:r>
-              <a:rPr lang="en-US" dirty="0"/>
+              <a:rPr lang="sr-Latn-RS" dirty="0"/>
               <a:t>.</a:t>
             </a:r>
           </a:p>
